--- a/Projetos de Software/Projeto Final/Pesquisa Trabalho Final.pptx
+++ b/Projetos de Software/Projeto Final/Pesquisa Trabalho Final.pptx
@@ -228,7 +228,7 @@
           <a:p>
             <a:fld id="{FCBB45FB-FC1C-4893-B550-48C1193193C6}" type="datetimeFigureOut">
               <a:rPr lang="pt-BR" smtClean="0"/>
-              <a:t>27/03/2025</a:t>
+              <a:t>28/03/2025</a:t>
             </a:fld>
             <a:endParaRPr lang="pt-BR"/>
           </a:p>
@@ -1015,7 +1015,7 @@
           <a:p>
             <a:fld id="{CDD55C27-F8C6-4481-8569-CAC50CAE9F1F}" type="datetimeFigureOut">
               <a:rPr lang="pt-BR" smtClean="0"/>
-              <a:t>27/03/2025</a:t>
+              <a:t>28/03/2025</a:t>
             </a:fld>
             <a:endParaRPr lang="pt-BR"/>
           </a:p>
@@ -1505,7 +1505,7 @@
           <a:p>
             <a:fld id="{CDD55C27-F8C6-4481-8569-CAC50CAE9F1F}" type="datetimeFigureOut">
               <a:rPr lang="pt-BR" smtClean="0"/>
-              <a:t>27/03/2025</a:t>
+              <a:t>28/03/2025</a:t>
             </a:fld>
             <a:endParaRPr lang="pt-BR"/>
           </a:p>
@@ -1808,7 +1808,7 @@
           <a:p>
             <a:fld id="{CDD55C27-F8C6-4481-8569-CAC50CAE9F1F}" type="datetimeFigureOut">
               <a:rPr lang="pt-BR" smtClean="0"/>
-              <a:t>27/03/2025</a:t>
+              <a:t>28/03/2025</a:t>
             </a:fld>
             <a:endParaRPr lang="pt-BR"/>
           </a:p>
@@ -2259,7 +2259,7 @@
           <a:p>
             <a:fld id="{CDD55C27-F8C6-4481-8569-CAC50CAE9F1F}" type="datetimeFigureOut">
               <a:rPr lang="pt-BR" smtClean="0"/>
-              <a:t>27/03/2025</a:t>
+              <a:t>28/03/2025</a:t>
             </a:fld>
             <a:endParaRPr lang="pt-BR"/>
           </a:p>
@@ -2432,7 +2432,7 @@
           <a:p>
             <a:fld id="{CDD55C27-F8C6-4481-8569-CAC50CAE9F1F}" type="datetimeFigureOut">
               <a:rPr lang="pt-BR" smtClean="0"/>
-              <a:t>27/03/2025</a:t>
+              <a:t>28/03/2025</a:t>
             </a:fld>
             <a:endParaRPr lang="pt-BR"/>
           </a:p>
@@ -2569,7 +2569,7 @@
           <a:p>
             <a:fld id="{CDD55C27-F8C6-4481-8569-CAC50CAE9F1F}" type="datetimeFigureOut">
               <a:rPr lang="pt-BR" smtClean="0"/>
-              <a:t>27/03/2025</a:t>
+              <a:t>28/03/2025</a:t>
             </a:fld>
             <a:endParaRPr lang="pt-BR"/>
           </a:p>
@@ -2913,7 +2913,7 @@
           <a:p>
             <a:fld id="{CDD55C27-F8C6-4481-8569-CAC50CAE9F1F}" type="datetimeFigureOut">
               <a:rPr lang="pt-BR" smtClean="0"/>
-              <a:t>27/03/2025</a:t>
+              <a:t>28/03/2025</a:t>
             </a:fld>
             <a:endParaRPr lang="pt-BR"/>
           </a:p>
@@ -3234,7 +3234,7 @@
           <a:p>
             <a:fld id="{CDD55C27-F8C6-4481-8569-CAC50CAE9F1F}" type="datetimeFigureOut">
               <a:rPr lang="pt-BR" smtClean="0"/>
-              <a:t>27/03/2025</a:t>
+              <a:t>28/03/2025</a:t>
             </a:fld>
             <a:endParaRPr lang="pt-BR"/>
           </a:p>
@@ -3886,9 +3886,10 @@
           <a:lstStyle/>
           <a:p>
             <a:r>
-              <a:rPr lang="pt-BR" sz="2400" dirty="0"/>
-              <a:t>Grupo 1: Introdução à Segurança da Informação no Desenvolvimento de Aplicativos</a:t>
-            </a:r>
+              <a:rPr lang="pt-BR" sz="2400"/>
+              <a:t>Projeto 1 - Sistema de Gerenciamento de Consultas Médicas</a:t>
+            </a:r>
+            <a:endParaRPr lang="pt-BR" sz="2400" dirty="0"/>
           </a:p>
         </p:txBody>
       </p:sp>
